--- a/Презентация.pptx
+++ b/Презентация.pptx
@@ -128,6 +128,9 @@
           <p14:sldIdLst/>
         </p14:section>
       </p14:sectionLst>
+    </p:ext>
+    <p:ext uri="{EFAFB233-063F-42B5-8137-9DF3F51BA10A}">
+      <p15:sldGuideLst xmlns:p15="http://schemas.microsoft.com/office/powerpoint/2012/main"/>
     </p:ext>
   </p:extLst>
 </p:presentation>
@@ -8594,7 +8597,7 @@
           <p:nvPr/>
         </p:nvPicPr>
         <p:blipFill>
-          <a:blip r:embed="rId2">
+          <a:blip r:embed="rId3">
             <a:extLst>
               <a:ext uri="{28A0092B-C50C-407E-A947-70E740481C1C}">
                 <a14:useLocalDpi xmlns:a14="http://schemas.microsoft.com/office/drawing/2010/main" val="0"/>
@@ -8608,8 +8611,8 @@
         </p:blipFill>
         <p:spPr bwMode="auto">
           <a:xfrm>
-            <a:off x="1020837" y="1997287"/>
-            <a:ext cx="9476475" cy="4860713"/>
+            <a:off x="1" y="2722827"/>
+            <a:ext cx="5023412" cy="3353881"/>
           </a:xfrm>
           <a:prstGeom prst="rect">
             <a:avLst/>
@@ -8626,6 +8629,69 @@
           </a:extLst>
         </p:spPr>
       </p:pic>
+      <p:graphicFrame>
+        <p:nvGraphicFramePr>
+          <p:cNvPr id="4" name="Object 3">
+            <a:extLst>
+              <a:ext uri="{FF2B5EF4-FFF2-40B4-BE49-F238E27FC236}">
+                <a16:creationId xmlns:a16="http://schemas.microsoft.com/office/drawing/2014/main" id="{A1FE9172-FF49-48D7-8DEC-457B31AB0D18}"/>
+              </a:ext>
+            </a:extLst>
+          </p:cNvPr>
+          <p:cNvGraphicFramePr>
+            <a:graphicFrameLocks noChangeAspect="1"/>
+          </p:cNvGraphicFramePr>
+          <p:nvPr>
+            <p:extLst>
+              <p:ext uri="{D42A27DB-BD31-4B8C-83A1-F6EECF244321}">
+                <p14:modId xmlns:p14="http://schemas.microsoft.com/office/powerpoint/2010/main" val="2112297015"/>
+              </p:ext>
+            </p:extLst>
+          </p:nvPr>
+        </p:nvGraphicFramePr>
+        <p:xfrm>
+          <a:off x="6268348" y="1473493"/>
+          <a:ext cx="5023412" cy="5243902"/>
+        </p:xfrm>
+        <a:graphic>
+          <a:graphicData uri="http://schemas.openxmlformats.org/presentationml/2006/ole">
+            <mc:AlternateContent xmlns:mc="http://schemas.openxmlformats.org/markup-compatibility/2006">
+              <mc:Choice xmlns:v="urn:schemas-microsoft-com:vml" Requires="v">
+                <p:oleObj spid="_x0000_s1026" r:id="rId4" imgW="5498280" imgH="5739480" progId="">
+                  <p:embed/>
+                </p:oleObj>
+              </mc:Choice>
+              <mc:Fallback>
+                <p:oleObj r:id="rId4" imgW="5498280" imgH="5739480" progId="">
+                  <p:embed/>
+                  <p:pic>
+                    <p:nvPicPr>
+                      <p:cNvPr id="0" name=""/>
+                      <p:cNvPicPr/>
+                      <p:nvPr/>
+                    </p:nvPicPr>
+                    <p:blipFill>
+                      <a:blip r:embed="rId5"/>
+                      <a:stretch>
+                        <a:fillRect/>
+                      </a:stretch>
+                    </p:blipFill>
+                    <p:spPr>
+                      <a:xfrm>
+                        <a:off x="6268348" y="1473493"/>
+                        <a:ext cx="5023412" cy="5243902"/>
+                      </a:xfrm>
+                      <a:prstGeom prst="rect">
+                        <a:avLst/>
+                      </a:prstGeom>
+                    </p:spPr>
+                  </p:pic>
+                </p:oleObj>
+              </mc:Fallback>
+            </mc:AlternateContent>
+          </a:graphicData>
+        </a:graphic>
+      </p:graphicFrame>
     </p:spTree>
     <p:extLst>
       <p:ext uri="{BB962C8B-B14F-4D97-AF65-F5344CB8AC3E}">
